--- a/Shpe Flyers/SHPE2023Fliers.pptx
+++ b/Shpe Flyers/SHPE2023Fliers.pptx
@@ -216,7 +216,7 @@
           <a:p>
             <a:fld id="{A516A2BA-DCBB-48C4-988B-CD5FD3C086D3}" type="datetimeFigureOut">
               <a:rPr lang="en-US" smtClean="0"/>
-              <a:t>2/15/2024</a:t>
+              <a:t>2/22/2024</a:t>
             </a:fld>
             <a:endParaRPr lang="en-US"/>
           </a:p>
@@ -3669,7 +3669,7 @@
           <a:p>
             <a:fld id="{6805499E-2FBF-43B8-AE40-7442ED1A9A98}" type="datetimeFigureOut">
               <a:rPr lang="en-US" smtClean="0"/>
-              <a:t>2/15/2024</a:t>
+              <a:t>2/22/2024</a:t>
             </a:fld>
             <a:endParaRPr lang="en-US"/>
           </a:p>
@@ -3839,7 +3839,7 @@
           <a:p>
             <a:fld id="{6805499E-2FBF-43B8-AE40-7442ED1A9A98}" type="datetimeFigureOut">
               <a:rPr lang="en-US" smtClean="0"/>
-              <a:t>2/15/2024</a:t>
+              <a:t>2/22/2024</a:t>
             </a:fld>
             <a:endParaRPr lang="en-US"/>
           </a:p>
@@ -4019,7 +4019,7 @@
           <a:p>
             <a:fld id="{6805499E-2FBF-43B8-AE40-7442ED1A9A98}" type="datetimeFigureOut">
               <a:rPr lang="en-US" smtClean="0"/>
-              <a:t>2/15/2024</a:t>
+              <a:t>2/22/2024</a:t>
             </a:fld>
             <a:endParaRPr lang="en-US"/>
           </a:p>
@@ -4189,7 +4189,7 @@
           <a:p>
             <a:fld id="{6805499E-2FBF-43B8-AE40-7442ED1A9A98}" type="datetimeFigureOut">
               <a:rPr lang="en-US" smtClean="0"/>
-              <a:t>2/15/2024</a:t>
+              <a:t>2/22/2024</a:t>
             </a:fld>
             <a:endParaRPr lang="en-US"/>
           </a:p>
@@ -4433,7 +4433,7 @@
           <a:p>
             <a:fld id="{6805499E-2FBF-43B8-AE40-7442ED1A9A98}" type="datetimeFigureOut">
               <a:rPr lang="en-US" smtClean="0"/>
-              <a:t>2/15/2024</a:t>
+              <a:t>2/22/2024</a:t>
             </a:fld>
             <a:endParaRPr lang="en-US"/>
           </a:p>
@@ -4665,7 +4665,7 @@
           <a:p>
             <a:fld id="{6805499E-2FBF-43B8-AE40-7442ED1A9A98}" type="datetimeFigureOut">
               <a:rPr lang="en-US" smtClean="0"/>
-              <a:t>2/15/2024</a:t>
+              <a:t>2/22/2024</a:t>
             </a:fld>
             <a:endParaRPr lang="en-US"/>
           </a:p>
@@ -5032,7 +5032,7 @@
           <a:p>
             <a:fld id="{6805499E-2FBF-43B8-AE40-7442ED1A9A98}" type="datetimeFigureOut">
               <a:rPr lang="en-US" smtClean="0"/>
-              <a:t>2/15/2024</a:t>
+              <a:t>2/22/2024</a:t>
             </a:fld>
             <a:endParaRPr lang="en-US"/>
           </a:p>
@@ -5150,7 +5150,7 @@
           <a:p>
             <a:fld id="{6805499E-2FBF-43B8-AE40-7442ED1A9A98}" type="datetimeFigureOut">
               <a:rPr lang="en-US" smtClean="0"/>
-              <a:t>2/15/2024</a:t>
+              <a:t>2/22/2024</a:t>
             </a:fld>
             <a:endParaRPr lang="en-US"/>
           </a:p>
@@ -5245,7 +5245,7 @@
           <a:p>
             <a:fld id="{6805499E-2FBF-43B8-AE40-7442ED1A9A98}" type="datetimeFigureOut">
               <a:rPr lang="en-US" smtClean="0"/>
-              <a:t>2/15/2024</a:t>
+              <a:t>2/22/2024</a:t>
             </a:fld>
             <a:endParaRPr lang="en-US"/>
           </a:p>
@@ -5522,7 +5522,7 @@
           <a:p>
             <a:fld id="{6805499E-2FBF-43B8-AE40-7442ED1A9A98}" type="datetimeFigureOut">
               <a:rPr lang="en-US" smtClean="0"/>
-              <a:t>2/15/2024</a:t>
+              <a:t>2/22/2024</a:t>
             </a:fld>
             <a:endParaRPr lang="en-US"/>
           </a:p>
@@ -5779,7 +5779,7 @@
           <a:p>
             <a:fld id="{6805499E-2FBF-43B8-AE40-7442ED1A9A98}" type="datetimeFigureOut">
               <a:rPr lang="en-US" smtClean="0"/>
-              <a:t>2/15/2024</a:t>
+              <a:t>2/22/2024</a:t>
             </a:fld>
             <a:endParaRPr lang="en-US"/>
           </a:p>
@@ -5992,7 +5992,7 @@
           <a:p>
             <a:fld id="{6805499E-2FBF-43B8-AE40-7442ED1A9A98}" type="datetimeFigureOut">
               <a:rPr lang="en-US" smtClean="0"/>
-              <a:t>2/15/2024</a:t>
+              <a:t>2/22/2024</a:t>
             </a:fld>
             <a:endParaRPr lang="en-US"/>
           </a:p>
@@ -8329,8 +8329,8 @@
         </p:nvSpPr>
         <p:spPr>
           <a:xfrm>
-            <a:off x="690547" y="1235036"/>
-            <a:ext cx="604672" cy="330357"/>
+            <a:off x="691348" y="1235036"/>
+            <a:ext cx="603069" cy="330357"/>
           </a:xfrm>
           <a:prstGeom prst="rect">
             <a:avLst/>
@@ -8357,7 +8357,7 @@
                 <a:latin typeface="Arial Black" panose="020B0A04020102020204" pitchFamily="34" charset="0"/>
                 <a:cs typeface="Aharoni" panose="02010803020104030203" pitchFamily="2" charset="-79"/>
               </a:rPr>
-              <a:t>SEP</a:t>
+              <a:t>FEB</a:t>
             </a:r>
           </a:p>
         </p:txBody>
@@ -8376,8 +8376,8 @@
         </p:nvSpPr>
         <p:spPr>
           <a:xfrm>
-            <a:off x="883708" y="1371260"/>
-            <a:ext cx="218349" cy="473473"/>
+            <a:off x="807566" y="1371260"/>
+            <a:ext cx="370634" cy="473473"/>
           </a:xfrm>
           <a:prstGeom prst="rect">
             <a:avLst/>
@@ -8407,7 +8407,7 @@
                 <a:latin typeface="Aharoni" panose="02010803020104030203" pitchFamily="2" charset="-79"/>
                 <a:cs typeface="Aharoni" panose="02010803020104030203" pitchFamily="2" charset="-79"/>
               </a:rPr>
-              <a:t>5</a:t>
+              <a:t>27</a:t>
             </a:r>
           </a:p>
         </p:txBody>
@@ -8426,8 +8426,8 @@
         </p:nvSpPr>
         <p:spPr>
           <a:xfrm>
-            <a:off x="1493414" y="1229135"/>
-            <a:ext cx="604672" cy="330357"/>
+            <a:off x="1478244" y="1225957"/>
+            <a:ext cx="684822" cy="330357"/>
           </a:xfrm>
           <a:prstGeom prst="rect">
             <a:avLst/>
@@ -8454,7 +8454,7 @@
                 <a:latin typeface="Arial Black" panose="020B0A04020102020204" pitchFamily="34" charset="0"/>
                 <a:cs typeface="Aharoni" panose="02010803020104030203" pitchFamily="2" charset="-79"/>
               </a:rPr>
-              <a:t>SEP</a:t>
+              <a:t>MAR</a:t>
             </a:r>
           </a:p>
         </p:txBody>
@@ -8473,8 +8473,8 @@
         </p:nvSpPr>
         <p:spPr>
           <a:xfrm>
-            <a:off x="1604005" y="1345062"/>
-            <a:ext cx="370634" cy="473473"/>
+            <a:off x="1737078" y="1345604"/>
+            <a:ext cx="218349" cy="473473"/>
           </a:xfrm>
           <a:prstGeom prst="rect">
             <a:avLst/>
@@ -8504,7 +8504,7 @@
                 <a:latin typeface="Aharoni" panose="02010803020104030203" pitchFamily="2" charset="-79"/>
                 <a:cs typeface="Aharoni" panose="02010803020104030203" pitchFamily="2" charset="-79"/>
               </a:rPr>
-              <a:t>19</a:t>
+              <a:t>5</a:t>
             </a:r>
           </a:p>
         </p:txBody>
@@ -8523,8 +8523,8 @@
         </p:nvSpPr>
         <p:spPr>
           <a:xfrm>
-            <a:off x="2340358" y="1223234"/>
-            <a:ext cx="644747" cy="330357"/>
+            <a:off x="2347571" y="1223234"/>
+            <a:ext cx="630321" cy="330357"/>
           </a:xfrm>
           <a:prstGeom prst="rect">
             <a:avLst/>
@@ -8551,7 +8551,7 @@
                 <a:latin typeface="Arial Black" panose="020B0A04020102020204" pitchFamily="34" charset="0"/>
                 <a:cs typeface="Aharoni" panose="02010803020104030203" pitchFamily="2" charset="-79"/>
               </a:rPr>
-              <a:t>OCT</a:t>
+              <a:t>APR</a:t>
             </a:r>
           </a:p>
         </p:txBody>
@@ -8570,8 +8570,8 @@
         </p:nvSpPr>
         <p:spPr>
           <a:xfrm>
-            <a:off x="2548821" y="1356524"/>
-            <a:ext cx="218349" cy="473473"/>
+            <a:off x="2454149" y="1361023"/>
+            <a:ext cx="370634" cy="473473"/>
           </a:xfrm>
           <a:prstGeom prst="rect">
             <a:avLst/>
@@ -8601,7 +8601,7 @@
                 <a:latin typeface="Aharoni" panose="02010803020104030203" pitchFamily="2" charset="-79"/>
                 <a:cs typeface="Aharoni" panose="02010803020104030203" pitchFamily="2" charset="-79"/>
               </a:rPr>
-              <a:t>3</a:t>
+              <a:t>16</a:t>
             </a:r>
           </a:p>
         </p:txBody>
@@ -9160,7 +9160,7 @@
         </p:nvSpPr>
         <p:spPr>
           <a:xfrm>
-            <a:off x="389460" y="474793"/>
+            <a:off x="3380" y="-1486"/>
             <a:ext cx="2878689" cy="1851354"/>
           </a:xfrm>
           <a:prstGeom prst="rect">
@@ -10139,7 +10139,7 @@
         </p:blipFill>
         <p:spPr bwMode="auto">
           <a:xfrm>
-            <a:off x="1231866" y="530768"/>
+            <a:off x="2383332" y="473000"/>
             <a:ext cx="1049528" cy="352349"/>
           </a:xfrm>
           <a:prstGeom prst="rect">
@@ -10201,8 +10201,8 @@
         </p:nvSpPr>
         <p:spPr>
           <a:xfrm>
-            <a:off x="1270863" y="3809065"/>
-            <a:ext cx="1997048" cy="276116"/>
+            <a:off x="844389" y="4298013"/>
+            <a:ext cx="2810641" cy="276116"/>
           </a:xfrm>
           <a:prstGeom prst="rect">
             <a:avLst/>
@@ -10253,7 +10253,7 @@
         </p:nvSpPr>
         <p:spPr>
           <a:xfrm>
-            <a:off x="1154631" y="3707974"/>
+            <a:off x="767798" y="4197203"/>
             <a:ext cx="518107" cy="377207"/>
           </a:xfrm>
           <a:prstGeom prst="rtTriangle">
@@ -10305,8 +10305,8 @@
         </p:nvSpPr>
         <p:spPr>
           <a:xfrm>
-            <a:off x="382914" y="974227"/>
-            <a:ext cx="2892243" cy="1411681"/>
+            <a:off x="-2569" y="492941"/>
+            <a:ext cx="3657600" cy="1411681"/>
           </a:xfrm>
           <a:prstGeom prst="rect">
             <a:avLst/>
@@ -10362,8 +10362,8 @@
         </p:nvSpPr>
         <p:spPr>
           <a:xfrm>
-            <a:off x="389460" y="486822"/>
-            <a:ext cx="2878689" cy="495452"/>
+            <a:off x="-5137" y="5011"/>
+            <a:ext cx="3662737" cy="495452"/>
           </a:xfrm>
           <a:prstGeom prst="rect">
             <a:avLst/>
@@ -10416,8 +10416,8 @@
         </p:nvSpPr>
         <p:spPr>
           <a:xfrm>
-            <a:off x="886538" y="1037233"/>
-            <a:ext cx="4475202" cy="242320"/>
+            <a:off x="193115" y="683858"/>
+            <a:ext cx="4475202" cy="340808"/>
           </a:xfrm>
           <a:prstGeom prst="rect">
             <a:avLst/>
@@ -10431,14 +10431,14 @@
           <a:lstStyle/>
           <a:p>
             <a:r>
-              <a:rPr lang="en-US" sz="1360" dirty="0">
+              <a:rPr lang="en-US" sz="2000" dirty="0">
                 <a:solidFill>
                   <a:srgbClr val="F97804"/>
                 </a:solidFill>
                 <a:latin typeface="Aharoni" panose="02010803020104030203" pitchFamily="2" charset="-79"/>
                 <a:cs typeface="Aharoni" panose="02010803020104030203" pitchFamily="2" charset="-79"/>
               </a:rPr>
-              <a:t>Third General Meeting</a:t>
+              <a:t>Mock Interview Workshop</a:t>
             </a:r>
           </a:p>
         </p:txBody>
@@ -10470,7 +10470,7 @@
         </p:blipFill>
         <p:spPr>
           <a:xfrm>
-            <a:off x="432523" y="599579"/>
+            <a:off x="72862" y="127398"/>
             <a:ext cx="908037" cy="278875"/>
           </a:xfrm>
           <a:prstGeom prst="rect">
@@ -10507,7 +10507,7 @@
         </p:blipFill>
         <p:spPr bwMode="auto">
           <a:xfrm>
-            <a:off x="2629957" y="525733"/>
+            <a:off x="2980331" y="64375"/>
             <a:ext cx="604407" cy="397954"/>
           </a:xfrm>
           <a:prstGeom prst="rect">
@@ -10539,7 +10539,7 @@
         </p:nvSpPr>
         <p:spPr>
           <a:xfrm>
-            <a:off x="675395" y="1258177"/>
+            <a:off x="669332" y="978781"/>
             <a:ext cx="2306810" cy="627681"/>
           </a:xfrm>
           <a:prstGeom prst="rect">
@@ -10575,7 +10575,7 @@
                 <a:latin typeface="Aharoni" panose="02010803020104030203" pitchFamily="2" charset="-79"/>
                 <a:cs typeface="Aharoni" panose="02010803020104030203" pitchFamily="2" charset="-79"/>
               </a:rPr>
-              <a:t>Whiting Turner</a:t>
+              <a:t>Whiting-Turner</a:t>
             </a:r>
           </a:p>
         </p:txBody>
@@ -10624,7 +10624,7 @@
         </p:blipFill>
         <p:spPr bwMode="auto">
           <a:xfrm>
-            <a:off x="1416952" y="443208"/>
+            <a:off x="1413684" y="-34096"/>
             <a:ext cx="818106" cy="551618"/>
           </a:xfrm>
           <a:prstGeom prst="rect">
@@ -10656,7 +10656,7 @@
         </p:nvSpPr>
         <p:spPr>
           <a:xfrm>
-            <a:off x="389454" y="1941350"/>
+            <a:off x="0" y="1911762"/>
             <a:ext cx="1545343" cy="852204"/>
           </a:xfrm>
           <a:prstGeom prst="rect">
@@ -10698,10 +10698,10 @@
       </p:sp>
       <p:sp>
         <p:nvSpPr>
-          <p:cNvPr id="30" name="Rectangle 29">
-            <a:extLst>
-              <a:ext uri="{FF2B5EF4-FFF2-40B4-BE49-F238E27FC236}">
-                <a16:creationId xmlns:a16="http://schemas.microsoft.com/office/drawing/2014/main" id="{5827C97F-9365-599C-4B60-A1C6214E424F}"/>
+          <p:cNvPr id="32" name="Rectangle 31">
+            <a:extLst>
+              <a:ext uri="{FF2B5EF4-FFF2-40B4-BE49-F238E27FC236}">
+                <a16:creationId xmlns:a16="http://schemas.microsoft.com/office/drawing/2014/main" id="{1D74CB07-F21E-9214-3531-7379A4AA1E89}"/>
               </a:ext>
             </a:extLst>
           </p:cNvPr>
@@ -10710,8 +10710,8 @@
         </p:nvSpPr>
         <p:spPr>
           <a:xfrm>
-            <a:off x="366118" y="1910014"/>
-            <a:ext cx="1653420" cy="251104"/>
+            <a:off x="-10999" y="2240605"/>
+            <a:ext cx="1675033" cy="231227"/>
           </a:xfrm>
           <a:prstGeom prst="rect">
             <a:avLst/>
@@ -10729,38 +10729,24 @@
                 <a:latin typeface="Aharoni" panose="02010803020104030203" pitchFamily="2" charset="-79"/>
                 <a:cs typeface="Aharoni" panose="02010803020104030203" pitchFamily="2" charset="-79"/>
               </a:rPr>
-              <a:t>Room Orchard Suit </a:t>
-            </a:r>
-            <a:r>
-              <a:rPr lang="en-US" sz="1417" dirty="0">
-                <a:latin typeface="Aharoni" panose="02010803020104030203" pitchFamily="2" charset="-79"/>
-                <a:cs typeface="Aharoni" panose="02010803020104030203" pitchFamily="2" charset="-79"/>
-              </a:rPr>
-              <a:t>1</a:t>
-            </a:r>
-            <a:r>
-              <a:rPr lang="en-US" sz="1001" dirty="0">
-                <a:latin typeface="Aharoni" panose="02010803020104030203" pitchFamily="2" charset="-79"/>
-                <a:cs typeface="Aharoni" panose="02010803020104030203" pitchFamily="2" charset="-79"/>
-              </a:rPr>
-              <a:t> &amp; </a:t>
-            </a:r>
-            <a:r>
-              <a:rPr lang="en-US" sz="1417" dirty="0">
-                <a:latin typeface="Aharoni" panose="02010803020104030203" pitchFamily="2" charset="-79"/>
-                <a:cs typeface="Aharoni" panose="02010803020104030203" pitchFamily="2" charset="-79"/>
-              </a:rPr>
-              <a:t>2</a:t>
-            </a:r>
-          </a:p>
-        </p:txBody>
-      </p:sp>
-      <p:sp>
-        <p:nvSpPr>
-          <p:cNvPr id="31" name="Rectangle 30">
-            <a:extLst>
-              <a:ext uri="{FF2B5EF4-FFF2-40B4-BE49-F238E27FC236}">
-                <a16:creationId xmlns:a16="http://schemas.microsoft.com/office/drawing/2014/main" id="{2FD3382B-7815-3BF2-ED2E-01545AD1F55C}"/>
+              <a:t>Date - February </a:t>
+            </a:r>
+            <a:r>
+              <a:rPr lang="en-US" sz="1288" dirty="0">
+                <a:latin typeface="Aharoni" panose="02010803020104030203" pitchFamily="2" charset="-79"/>
+                <a:cs typeface="Aharoni" panose="02010803020104030203" pitchFamily="2" charset="-79"/>
+              </a:rPr>
+              <a:t>27, 2023</a:t>
+            </a:r>
+          </a:p>
+        </p:txBody>
+      </p:sp>
+      <p:sp>
+        <p:nvSpPr>
+          <p:cNvPr id="33" name="Rectangle 32">
+            <a:extLst>
+              <a:ext uri="{FF2B5EF4-FFF2-40B4-BE49-F238E27FC236}">
+                <a16:creationId xmlns:a16="http://schemas.microsoft.com/office/drawing/2014/main" id="{CCA386C6-C36B-1538-A1D6-B46C69854E2D}"/>
               </a:ext>
             </a:extLst>
           </p:cNvPr>
@@ -10769,8 +10755,8 @@
         </p:nvSpPr>
         <p:spPr>
           <a:xfrm>
-            <a:off x="375069" y="2117645"/>
-            <a:ext cx="1675033" cy="165247"/>
+            <a:off x="-10999" y="2512387"/>
+            <a:ext cx="1675033" cy="231227"/>
           </a:xfrm>
           <a:prstGeom prst="rect">
             <a:avLst/>
@@ -10784,21 +10770,91 @@
           <a:lstStyle/>
           <a:p>
             <a:r>
+              <a:rPr lang="en-US" sz="1001" dirty="0">
+                <a:latin typeface="Aharoni" panose="02010803020104030203" pitchFamily="2" charset="-79"/>
+                <a:cs typeface="Aharoni" panose="02010803020104030203" pitchFamily="2" charset="-79"/>
+              </a:rPr>
+              <a:t>Time</a:t>
+            </a:r>
+            <a:r>
               <a:rPr lang="en-US" sz="859" dirty="0">
                 <a:latin typeface="Aharoni" panose="02010803020104030203" pitchFamily="2" charset="-79"/>
                 <a:cs typeface="Aharoni" panose="02010803020104030203" pitchFamily="2" charset="-79"/>
               </a:rPr>
-              <a:t>-University Union</a:t>
-            </a:r>
-          </a:p>
-        </p:txBody>
-      </p:sp>
-      <p:sp>
-        <p:nvSpPr>
-          <p:cNvPr id="32" name="Rectangle 31">
-            <a:extLst>
-              <a:ext uri="{FF2B5EF4-FFF2-40B4-BE49-F238E27FC236}">
-                <a16:creationId xmlns:a16="http://schemas.microsoft.com/office/drawing/2014/main" id="{1D74CB07-F21E-9214-3531-7379A4AA1E89}"/>
+              <a:t> </a:t>
+            </a:r>
+            <a:r>
+              <a:rPr lang="en-US" sz="1001" dirty="0">
+                <a:latin typeface="Aharoni" panose="02010803020104030203" pitchFamily="2" charset="-79"/>
+                <a:cs typeface="Aharoni" panose="02010803020104030203" pitchFamily="2" charset="-79"/>
+              </a:rPr>
+              <a:t>–</a:t>
+            </a:r>
+            <a:r>
+              <a:rPr lang="en-US" sz="859" dirty="0">
+                <a:latin typeface="Aharoni" panose="02010803020104030203" pitchFamily="2" charset="-79"/>
+                <a:cs typeface="Aharoni" panose="02010803020104030203" pitchFamily="2" charset="-79"/>
+              </a:rPr>
+              <a:t> </a:t>
+            </a:r>
+            <a:r>
+              <a:rPr lang="en-US" sz="1288" dirty="0">
+                <a:latin typeface="Aharoni" panose="02010803020104030203" pitchFamily="2" charset="-79"/>
+                <a:cs typeface="Aharoni" panose="02010803020104030203" pitchFamily="2" charset="-79"/>
+              </a:rPr>
+              <a:t>6:00</a:t>
+            </a:r>
+            <a:r>
+              <a:rPr lang="en-US" sz="1001" dirty="0">
+                <a:latin typeface="Aharoni" panose="02010803020104030203" pitchFamily="2" charset="-79"/>
+                <a:cs typeface="Aharoni" panose="02010803020104030203" pitchFamily="2" charset="-79"/>
+              </a:rPr>
+              <a:t>pm</a:t>
+            </a:r>
+            <a:r>
+              <a:rPr lang="en-US" sz="859" dirty="0">
+                <a:latin typeface="Aharoni" panose="02010803020104030203" pitchFamily="2" charset="-79"/>
+                <a:cs typeface="Aharoni" panose="02010803020104030203" pitchFamily="2" charset="-79"/>
+              </a:rPr>
+              <a:t> </a:t>
+            </a:r>
+            <a:r>
+              <a:rPr lang="en-US" sz="1001" dirty="0">
+                <a:latin typeface="Aharoni" panose="02010803020104030203" pitchFamily="2" charset="-79"/>
+                <a:cs typeface="Aharoni" panose="02010803020104030203" pitchFamily="2" charset="-79"/>
+              </a:rPr>
+              <a:t>–</a:t>
+            </a:r>
+            <a:r>
+              <a:rPr lang="en-US" sz="859" dirty="0">
+                <a:latin typeface="Aharoni" panose="02010803020104030203" pitchFamily="2" charset="-79"/>
+                <a:cs typeface="Aharoni" panose="02010803020104030203" pitchFamily="2" charset="-79"/>
+              </a:rPr>
+              <a:t> </a:t>
+            </a:r>
+            <a:r>
+              <a:rPr lang="en-US" sz="1288" dirty="0">
+                <a:latin typeface="Aharoni" panose="02010803020104030203" pitchFamily="2" charset="-79"/>
+                <a:cs typeface="Aharoni" panose="02010803020104030203" pitchFamily="2" charset="-79"/>
+              </a:rPr>
+              <a:t>7:00</a:t>
+            </a:r>
+            <a:r>
+              <a:rPr lang="en-US" sz="1001" dirty="0">
+                <a:latin typeface="Aharoni" panose="02010803020104030203" pitchFamily="2" charset="-79"/>
+                <a:cs typeface="Aharoni" panose="02010803020104030203" pitchFamily="2" charset="-79"/>
+              </a:rPr>
+              <a:t>pm</a:t>
+            </a:r>
+          </a:p>
+        </p:txBody>
+      </p:sp>
+      <p:sp>
+        <p:nvSpPr>
+          <p:cNvPr id="34" name="Rectangle 33">
+            <a:extLst>
+              <a:ext uri="{FF2B5EF4-FFF2-40B4-BE49-F238E27FC236}">
+                <a16:creationId xmlns:a16="http://schemas.microsoft.com/office/drawing/2014/main" id="{0BB556B7-FEE6-EBF9-767D-23D4CA50FFA2}"/>
               </a:ext>
             </a:extLst>
           </p:cNvPr>
@@ -10807,160 +10863,7 @@
         </p:nvSpPr>
         <p:spPr>
           <a:xfrm>
-            <a:off x="384017" y="2276815"/>
-            <a:ext cx="1675033" cy="231227"/>
-          </a:xfrm>
-          <a:prstGeom prst="rect">
-            <a:avLst/>
-          </a:prstGeom>
-          <a:noFill/>
-        </p:spPr>
-        <p:txBody>
-          <a:bodyPr wrap="square" lIns="32713" tIns="16356" rIns="32713" bIns="16356">
-            <a:spAutoFit/>
-          </a:bodyPr>
-          <a:lstStyle/>
-          <a:p>
-            <a:r>
-              <a:rPr lang="en-US" sz="1001" dirty="0">
-                <a:latin typeface="Aharoni" panose="02010803020104030203" pitchFamily="2" charset="-79"/>
-                <a:cs typeface="Aharoni" panose="02010803020104030203" pitchFamily="2" charset="-79"/>
-              </a:rPr>
-              <a:t>Date September </a:t>
-            </a:r>
-            <a:r>
-              <a:rPr lang="en-US" sz="1288" dirty="0">
-                <a:latin typeface="Aharoni" panose="02010803020104030203" pitchFamily="2" charset="-79"/>
-                <a:cs typeface="Aharoni" panose="02010803020104030203" pitchFamily="2" charset="-79"/>
-              </a:rPr>
-              <a:t>26, 2023</a:t>
-            </a:r>
-          </a:p>
-        </p:txBody>
-      </p:sp>
-      <p:sp>
-        <p:nvSpPr>
-          <p:cNvPr id="33" name="Rectangle 32">
-            <a:extLst>
-              <a:ext uri="{FF2B5EF4-FFF2-40B4-BE49-F238E27FC236}">
-                <a16:creationId xmlns:a16="http://schemas.microsoft.com/office/drawing/2014/main" id="{CCA386C6-C36B-1538-A1D6-B46C69854E2D}"/>
-              </a:ext>
-            </a:extLst>
-          </p:cNvPr>
-          <p:cNvSpPr/>
-          <p:nvPr/>
-        </p:nvSpPr>
-        <p:spPr>
-          <a:xfrm>
-            <a:off x="389459" y="2562244"/>
-            <a:ext cx="1675033" cy="231227"/>
-          </a:xfrm>
-          <a:prstGeom prst="rect">
-            <a:avLst/>
-          </a:prstGeom>
-          <a:noFill/>
-        </p:spPr>
-        <p:txBody>
-          <a:bodyPr wrap="square" lIns="32713" tIns="16356" rIns="32713" bIns="16356">
-            <a:spAutoFit/>
-          </a:bodyPr>
-          <a:lstStyle/>
-          <a:p>
-            <a:r>
-              <a:rPr lang="en-US" sz="1001" dirty="0">
-                <a:latin typeface="Aharoni" panose="02010803020104030203" pitchFamily="2" charset="-79"/>
-                <a:cs typeface="Aharoni" panose="02010803020104030203" pitchFamily="2" charset="-79"/>
-              </a:rPr>
-              <a:t>Time</a:t>
-            </a:r>
-            <a:r>
-              <a:rPr lang="en-US" sz="859" dirty="0">
-                <a:latin typeface="Aharoni" panose="02010803020104030203" pitchFamily="2" charset="-79"/>
-                <a:cs typeface="Aharoni" panose="02010803020104030203" pitchFamily="2" charset="-79"/>
-              </a:rPr>
-              <a:t> </a:t>
-            </a:r>
-            <a:r>
-              <a:rPr lang="en-US" sz="1001" dirty="0">
-                <a:latin typeface="Aharoni" panose="02010803020104030203" pitchFamily="2" charset="-79"/>
-                <a:cs typeface="Aharoni" panose="02010803020104030203" pitchFamily="2" charset="-79"/>
-              </a:rPr>
-              <a:t>–</a:t>
-            </a:r>
-            <a:r>
-              <a:rPr lang="en-US" sz="859" dirty="0">
-                <a:latin typeface="Aharoni" panose="02010803020104030203" pitchFamily="2" charset="-79"/>
-                <a:cs typeface="Aharoni" panose="02010803020104030203" pitchFamily="2" charset="-79"/>
-              </a:rPr>
-              <a:t> </a:t>
-            </a:r>
-            <a:r>
-              <a:rPr lang="en-US" sz="1288" dirty="0">
-                <a:latin typeface="Aharoni" panose="02010803020104030203" pitchFamily="2" charset="-79"/>
-                <a:cs typeface="Aharoni" panose="02010803020104030203" pitchFamily="2" charset="-79"/>
-              </a:rPr>
-              <a:t>6:00</a:t>
-            </a:r>
-            <a:r>
-              <a:rPr lang="en-US" sz="1001" dirty="0">
-                <a:latin typeface="Aharoni" panose="02010803020104030203" pitchFamily="2" charset="-79"/>
-                <a:cs typeface="Aharoni" panose="02010803020104030203" pitchFamily="2" charset="-79"/>
-              </a:rPr>
-              <a:t>pm</a:t>
-            </a:r>
-            <a:r>
-              <a:rPr lang="en-US" sz="859" dirty="0">
-                <a:latin typeface="Aharoni" panose="02010803020104030203" pitchFamily="2" charset="-79"/>
-                <a:cs typeface="Aharoni" panose="02010803020104030203" pitchFamily="2" charset="-79"/>
-              </a:rPr>
-              <a:t> </a:t>
-            </a:r>
-            <a:r>
-              <a:rPr lang="en-US" sz="1001" dirty="0">
-                <a:latin typeface="Aharoni" panose="02010803020104030203" pitchFamily="2" charset="-79"/>
-                <a:cs typeface="Aharoni" panose="02010803020104030203" pitchFamily="2" charset="-79"/>
-              </a:rPr>
-              <a:t>–</a:t>
-            </a:r>
-            <a:r>
-              <a:rPr lang="en-US" sz="859" dirty="0">
-                <a:latin typeface="Aharoni" panose="02010803020104030203" pitchFamily="2" charset="-79"/>
-                <a:cs typeface="Aharoni" panose="02010803020104030203" pitchFamily="2" charset="-79"/>
-              </a:rPr>
-              <a:t> </a:t>
-            </a:r>
-            <a:r>
-              <a:rPr lang="en-US" sz="1288" dirty="0">
-                <a:latin typeface="Aharoni" panose="02010803020104030203" pitchFamily="2" charset="-79"/>
-                <a:cs typeface="Aharoni" panose="02010803020104030203" pitchFamily="2" charset="-79"/>
-              </a:rPr>
-              <a:t>7:00</a:t>
-            </a:r>
-            <a:r>
-              <a:rPr lang="en-US" sz="1001" dirty="0">
-                <a:latin typeface="Aharoni" panose="02010803020104030203" pitchFamily="2" charset="-79"/>
-                <a:cs typeface="Aharoni" panose="02010803020104030203" pitchFamily="2" charset="-79"/>
-              </a:rPr>
-              <a:t>pm</a:t>
-            </a:r>
-          </a:p>
-        </p:txBody>
-      </p:sp>
-      <p:sp>
-        <p:nvSpPr>
-          <p:cNvPr id="34" name="Rectangle 33">
-            <a:extLst>
-              <a:ext uri="{FF2B5EF4-FFF2-40B4-BE49-F238E27FC236}">
-                <a16:creationId xmlns:a16="http://schemas.microsoft.com/office/drawing/2014/main" id="{0BB556B7-FEE6-EBF9-767D-23D4CA50FFA2}"/>
-              </a:ext>
-            </a:extLst>
-          </p:cNvPr>
-          <p:cNvSpPr/>
-          <p:nvPr/>
-        </p:nvSpPr>
-        <p:spPr>
-          <a:xfrm>
-            <a:off x="2314425" y="2116792"/>
+            <a:off x="2686920" y="1900423"/>
             <a:ext cx="968110" cy="430813"/>
           </a:xfrm>
           <a:prstGeom prst="rect">
@@ -11000,10 +10903,10 @@
       </p:sp>
       <p:sp>
         <p:nvSpPr>
-          <p:cNvPr id="26" name="Rectangle 25">
-            <a:extLst>
-              <a:ext uri="{FF2B5EF4-FFF2-40B4-BE49-F238E27FC236}">
-                <a16:creationId xmlns:a16="http://schemas.microsoft.com/office/drawing/2014/main" id="{CDEA8527-752D-DC94-F970-3F7DEE31753C}"/>
+          <p:cNvPr id="35" name="Rectangle 34">
+            <a:extLst>
+              <a:ext uri="{FF2B5EF4-FFF2-40B4-BE49-F238E27FC236}">
+                <a16:creationId xmlns:a16="http://schemas.microsoft.com/office/drawing/2014/main" id="{F29F140F-9EAC-8873-56DE-4F0833F64006}"/>
               </a:ext>
             </a:extLst>
           </p:cNvPr>
@@ -11012,68 +10915,7 @@
         </p:nvSpPr>
         <p:spPr>
           <a:xfrm>
-            <a:off x="1645076" y="2171902"/>
-            <a:ext cx="2306810" cy="348246"/>
-          </a:xfrm>
-          <a:prstGeom prst="rect">
-            <a:avLst/>
-          </a:prstGeom>
-          <a:noFill/>
-        </p:spPr>
-        <p:txBody>
-          <a:bodyPr wrap="square" lIns="32713" tIns="16356" rIns="32713" bIns="16356">
-            <a:spAutoFit/>
-          </a:bodyPr>
-          <a:lstStyle/>
-          <a:p>
-            <a:pPr algn="ctr"/>
-            <a:r>
-              <a:rPr lang="en-US" sz="1024" dirty="0">
-                <a:solidFill>
-                  <a:schemeClr val="bg1"/>
-                </a:solidFill>
-                <a:latin typeface="Aharoni" panose="02010803020104030203" pitchFamily="2" charset="-79"/>
-                <a:cs typeface="Aharoni" panose="02010803020104030203" pitchFamily="2" charset="-79"/>
-              </a:rPr>
-              <a:t>Mock Interview</a:t>
-            </a:r>
-            <a:br>
-              <a:rPr lang="en-US" sz="1024" dirty="0">
-                <a:solidFill>
-                  <a:schemeClr val="bg1"/>
-                </a:solidFill>
-                <a:latin typeface="Aharoni" panose="02010803020104030203" pitchFamily="2" charset="-79"/>
-                <a:cs typeface="Aharoni" panose="02010803020104030203" pitchFamily="2" charset="-79"/>
-              </a:rPr>
-            </a:br>
-            <a:r>
-              <a:rPr lang="en-US" sz="1024" dirty="0">
-                <a:solidFill>
-                  <a:schemeClr val="bg1"/>
-                </a:solidFill>
-                <a:latin typeface="Aharoni" panose="02010803020104030203" pitchFamily="2" charset="-79"/>
-                <a:cs typeface="Aharoni" panose="02010803020104030203" pitchFamily="2" charset="-79"/>
-              </a:rPr>
-              <a:t>Workshop</a:t>
-            </a:r>
-          </a:p>
-        </p:txBody>
-      </p:sp>
-      <p:sp>
-        <p:nvSpPr>
-          <p:cNvPr id="35" name="Rectangle 34">
-            <a:extLst>
-              <a:ext uri="{FF2B5EF4-FFF2-40B4-BE49-F238E27FC236}">
-                <a16:creationId xmlns:a16="http://schemas.microsoft.com/office/drawing/2014/main" id="{F29F140F-9EAC-8873-56DE-4F0833F64006}"/>
-              </a:ext>
-            </a:extLst>
-          </p:cNvPr>
-          <p:cNvSpPr/>
-          <p:nvPr/>
-        </p:nvSpPr>
-        <p:spPr>
-          <a:xfrm>
-            <a:off x="389459" y="3707975"/>
+            <a:off x="0" y="4196103"/>
             <a:ext cx="772152" cy="377207"/>
           </a:xfrm>
           <a:prstGeom prst="rect">
@@ -11140,7 +10982,7 @@
         </p:blipFill>
         <p:spPr bwMode="auto">
           <a:xfrm>
-            <a:off x="432521" y="3790598"/>
+            <a:off x="43930" y="4283733"/>
             <a:ext cx="838339" cy="231902"/>
           </a:xfrm>
           <a:prstGeom prst="rect">
@@ -11239,7 +11081,7 @@
         </p:blipFill>
         <p:spPr>
           <a:xfrm>
-            <a:off x="3000266" y="3809068"/>
+            <a:off x="3358454" y="4289611"/>
             <a:ext cx="267883" cy="255364"/>
           </a:xfrm>
           <a:prstGeom prst="rect">
@@ -11261,8 +11103,8 @@
         </p:nvSpPr>
         <p:spPr>
           <a:xfrm>
-            <a:off x="396374" y="2893215"/>
-            <a:ext cx="2893080" cy="797141"/>
+            <a:off x="-7157" y="2945931"/>
+            <a:ext cx="3730517" cy="1323439"/>
           </a:xfrm>
           <a:prstGeom prst="rect">
             <a:avLst/>
@@ -11280,11 +11122,11 @@
               <a:buChar char="•"/>
             </a:pPr>
             <a:r>
-              <a:rPr lang="en-US" sz="1145" dirty="0">
-                <a:latin typeface="Aharoni" panose="02010803020104030203" pitchFamily="2" charset="-79"/>
-                <a:cs typeface="Aharoni" panose="02010803020104030203" pitchFamily="2" charset="-79"/>
-              </a:rPr>
-              <a:t>Gain real interviewing experience</a:t>
+              <a:rPr lang="en-US" sz="1600" dirty="0">
+                <a:latin typeface="Aharoni" panose="02010803020104030203" pitchFamily="2" charset="-79"/>
+                <a:cs typeface="Aharoni" panose="02010803020104030203" pitchFamily="2" charset="-79"/>
+              </a:rPr>
+              <a:t>Bring Your Resume</a:t>
             </a:r>
           </a:p>
           <a:p>
@@ -11293,11 +11135,11 @@
               <a:buChar char="•"/>
             </a:pPr>
             <a:r>
-              <a:rPr lang="en-US" sz="1145" dirty="0">
-                <a:latin typeface="Aharoni" panose="02010803020104030203" pitchFamily="2" charset="-79"/>
-                <a:cs typeface="Aharoni" panose="02010803020104030203" pitchFamily="2" charset="-79"/>
-              </a:rPr>
-              <a:t>Networking Opportunities </a:t>
+              <a:rPr lang="en-US" sz="1600" dirty="0">
+                <a:latin typeface="Aharoni" panose="02010803020104030203" pitchFamily="2" charset="-79"/>
+                <a:cs typeface="Aharoni" panose="02010803020104030203" pitchFamily="2" charset="-79"/>
+              </a:rPr>
+              <a:t>Gain Real Interviewing Experience</a:t>
             </a:r>
           </a:p>
           <a:p>
@@ -11306,11 +11148,234 @@
               <a:buChar char="•"/>
             </a:pPr>
             <a:r>
+              <a:rPr lang="en-US" sz="1600" dirty="0">
+                <a:latin typeface="Aharoni" panose="02010803020104030203" pitchFamily="2" charset="-79"/>
+                <a:cs typeface="Aharoni" panose="02010803020104030203" pitchFamily="2" charset="-79"/>
+              </a:rPr>
+              <a:t>Internship Opportunities</a:t>
+            </a:r>
+          </a:p>
+          <a:p>
+            <a:pPr marL="163556" indent="-163556">
+              <a:buFont typeface="Arial" panose="020B0604020202020204" pitchFamily="34" charset="0"/>
+              <a:buChar char="•"/>
+            </a:pPr>
+            <a:r>
+              <a:rPr lang="en-US" sz="1600" dirty="0">
+                <a:latin typeface="Aharoni" panose="02010803020104030203" pitchFamily="2" charset="-79"/>
+                <a:cs typeface="Aharoni" panose="02010803020104030203" pitchFamily="2" charset="-79"/>
+              </a:rPr>
+              <a:t>Networking Opportunities </a:t>
+            </a:r>
+          </a:p>
+          <a:p>
+            <a:pPr marL="163556" indent="-163556">
+              <a:buFont typeface="Arial" panose="020B0604020202020204" pitchFamily="34" charset="0"/>
+              <a:buChar char="•"/>
+            </a:pPr>
+            <a:endParaRPr lang="en-US" sz="1600" dirty="0">
+              <a:latin typeface="Aharoni" panose="02010803020104030203" pitchFamily="2" charset="-79"/>
+              <a:cs typeface="Aharoni" panose="02010803020104030203" pitchFamily="2" charset="-79"/>
+            </a:endParaRPr>
+          </a:p>
+        </p:txBody>
+      </p:sp>
+      <p:sp>
+        <p:nvSpPr>
+          <p:cNvPr id="24" name="Rectangle 23">
+            <a:extLst>
+              <a:ext uri="{FF2B5EF4-FFF2-40B4-BE49-F238E27FC236}">
+                <a16:creationId xmlns:a16="http://schemas.microsoft.com/office/drawing/2014/main" id="{C88C02B7-4DF4-4F5F-B797-B47913BBA211}"/>
+              </a:ext>
+            </a:extLst>
+          </p:cNvPr>
+          <p:cNvSpPr/>
+          <p:nvPr/>
+        </p:nvSpPr>
+        <p:spPr>
+          <a:xfrm>
+            <a:off x="-10999" y="1863552"/>
+            <a:ext cx="1653420" cy="231227"/>
+          </a:xfrm>
+          <a:prstGeom prst="rect">
+            <a:avLst/>
+          </a:prstGeom>
+          <a:noFill/>
+        </p:spPr>
+        <p:txBody>
+          <a:bodyPr wrap="square" lIns="32713" tIns="16356" rIns="32713" bIns="16356">
+            <a:spAutoFit/>
+          </a:bodyPr>
+          <a:lstStyle/>
+          <a:p>
+            <a:r>
+              <a:rPr lang="en-US" sz="1001" dirty="0">
+                <a:latin typeface="Aharoni" panose="02010803020104030203" pitchFamily="2" charset="-79"/>
+                <a:cs typeface="Aharoni" panose="02010803020104030203" pitchFamily="2" charset="-79"/>
+              </a:rPr>
+              <a:t>Room </a:t>
+            </a:r>
+            <a:r>
+              <a:rPr lang="en-US" sz="1001" dirty="0" err="1">
+                <a:latin typeface="Aharoni" panose="02010803020104030203" pitchFamily="2" charset="-79"/>
+                <a:cs typeface="Aharoni" panose="02010803020104030203" pitchFamily="2" charset="-79"/>
+              </a:rPr>
+              <a:t>Tschannen</a:t>
+            </a:r>
+            <a:r>
+              <a:rPr lang="en-US" sz="1001" dirty="0">
+                <a:latin typeface="Aharoni" panose="02010803020104030203" pitchFamily="2" charset="-79"/>
+                <a:cs typeface="Aharoni" panose="02010803020104030203" pitchFamily="2" charset="-79"/>
+              </a:rPr>
+              <a:t> </a:t>
+            </a:r>
+            <a:r>
+              <a:rPr lang="en-US" sz="1288" dirty="0">
+                <a:latin typeface="Aharoni" panose="02010803020104030203" pitchFamily="2" charset="-79"/>
+                <a:cs typeface="Aharoni" panose="02010803020104030203" pitchFamily="2" charset="-79"/>
+              </a:rPr>
+              <a:t>1001</a:t>
+            </a:r>
+          </a:p>
+        </p:txBody>
+      </p:sp>
+      <p:sp>
+        <p:nvSpPr>
+          <p:cNvPr id="25" name="Rectangle 24">
+            <a:extLst>
+              <a:ext uri="{FF2B5EF4-FFF2-40B4-BE49-F238E27FC236}">
+                <a16:creationId xmlns:a16="http://schemas.microsoft.com/office/drawing/2014/main" id="{E177561B-C73C-4F7D-A35D-069010D1CD5E}"/>
+              </a:ext>
+            </a:extLst>
+          </p:cNvPr>
+          <p:cNvSpPr/>
+          <p:nvPr/>
+        </p:nvSpPr>
+        <p:spPr>
+          <a:xfrm>
+            <a:off x="0" y="2070958"/>
+            <a:ext cx="1675033" cy="165247"/>
+          </a:xfrm>
+          <a:prstGeom prst="rect">
+            <a:avLst/>
+          </a:prstGeom>
+          <a:noFill/>
+        </p:spPr>
+        <p:txBody>
+          <a:bodyPr wrap="square" lIns="32713" tIns="16356" rIns="32713" bIns="16356">
+            <a:spAutoFit/>
+          </a:bodyPr>
+          <a:lstStyle/>
+          <a:p>
+            <a:r>
+              <a:rPr lang="en-US" sz="859" dirty="0">
+                <a:latin typeface="Aharoni" panose="02010803020104030203" pitchFamily="2" charset="-79"/>
+                <a:cs typeface="Aharoni" panose="02010803020104030203" pitchFamily="2" charset="-79"/>
+              </a:rPr>
+              <a:t>-New Science Building </a:t>
+            </a:r>
+          </a:p>
+        </p:txBody>
+      </p:sp>
+      <p:sp>
+        <p:nvSpPr>
+          <p:cNvPr id="29" name="Rectangle 28">
+            <a:extLst>
+              <a:ext uri="{FF2B5EF4-FFF2-40B4-BE49-F238E27FC236}">
+                <a16:creationId xmlns:a16="http://schemas.microsoft.com/office/drawing/2014/main" id="{0CB6552D-8A86-4EEE-9C56-0DB39FF5D7FC}"/>
+              </a:ext>
+            </a:extLst>
+          </p:cNvPr>
+          <p:cNvSpPr/>
+          <p:nvPr/>
+        </p:nvSpPr>
+        <p:spPr>
+          <a:xfrm>
+            <a:off x="2738939" y="1918902"/>
+            <a:ext cx="991578" cy="468856"/>
+          </a:xfrm>
+          <a:prstGeom prst="rect">
+            <a:avLst/>
+          </a:prstGeom>
+          <a:noFill/>
+        </p:spPr>
+        <p:txBody>
+          <a:bodyPr wrap="square" lIns="32713" tIns="16356" rIns="32713" bIns="16356">
+            <a:spAutoFit/>
+          </a:bodyPr>
+          <a:lstStyle/>
+          <a:p>
+            <a:r>
               <a:rPr lang="en-US" sz="1145" dirty="0">
-                <a:latin typeface="Aharoni" panose="02010803020104030203" pitchFamily="2" charset="-79"/>
-                <a:cs typeface="Aharoni" panose="02010803020104030203" pitchFamily="2" charset="-79"/>
-              </a:rPr>
-              <a:t>Career fair and Conference preparation</a:t>
+                <a:solidFill>
+                  <a:schemeClr val="bg1"/>
+                </a:solidFill>
+                <a:latin typeface="Aharoni" panose="02010803020104030203" pitchFamily="2" charset="-79"/>
+                <a:cs typeface="Aharoni" panose="02010803020104030203" pitchFamily="2" charset="-79"/>
+              </a:rPr>
+              <a:t>Enjoy Some Free Food</a:t>
+            </a:r>
+          </a:p>
+          <a:p>
+            <a:endParaRPr lang="en-US" sz="542" dirty="0">
+              <a:solidFill>
+                <a:schemeClr val="bg1"/>
+              </a:solidFill>
+              <a:latin typeface="Aharoni" panose="02010803020104030203" pitchFamily="2" charset="-79"/>
+              <a:cs typeface="Aharoni" panose="02010803020104030203" pitchFamily="2" charset="-79"/>
+            </a:endParaRPr>
+          </a:p>
+        </p:txBody>
+      </p:sp>
+      <p:sp>
+        <p:nvSpPr>
+          <p:cNvPr id="41" name="Rectangle 40">
+            <a:extLst>
+              <a:ext uri="{FF2B5EF4-FFF2-40B4-BE49-F238E27FC236}">
+                <a16:creationId xmlns:a16="http://schemas.microsoft.com/office/drawing/2014/main" id="{427FC0AB-8354-44FF-A30F-862855EF732C}"/>
+              </a:ext>
+            </a:extLst>
+          </p:cNvPr>
+          <p:cNvSpPr/>
+          <p:nvPr/>
+        </p:nvSpPr>
+        <p:spPr>
+          <a:xfrm>
+            <a:off x="2396724" y="4320781"/>
+            <a:ext cx="1675033" cy="253348"/>
+          </a:xfrm>
+          <a:prstGeom prst="rect">
+            <a:avLst/>
+          </a:prstGeom>
+          <a:noFill/>
+        </p:spPr>
+        <p:txBody>
+          <a:bodyPr wrap="square" lIns="32713" tIns="16356" rIns="32713" bIns="16356">
+            <a:spAutoFit/>
+          </a:bodyPr>
+          <a:lstStyle/>
+          <a:p>
+            <a:r>
+              <a:rPr lang="en-US" sz="716" dirty="0">
+                <a:solidFill>
+                  <a:schemeClr val="bg1"/>
+                </a:solidFill>
+                <a:latin typeface="Aharoni" panose="02010803020104030203" pitchFamily="2" charset="-79"/>
+                <a:cs typeface="Aharoni" panose="02010803020104030203" pitchFamily="2" charset="-79"/>
+              </a:rPr>
+              <a:t>Society of Hispanic </a:t>
+            </a:r>
+          </a:p>
+          <a:p>
+            <a:r>
+              <a:rPr lang="en-US" sz="716" dirty="0">
+                <a:solidFill>
+                  <a:schemeClr val="bg1"/>
+                </a:solidFill>
+                <a:latin typeface="Aharoni" panose="02010803020104030203" pitchFamily="2" charset="-79"/>
+                <a:cs typeface="Aharoni" panose="02010803020104030203" pitchFamily="2" charset="-79"/>
+              </a:rPr>
+              <a:t>Professional Engineers</a:t>
             </a:r>
           </a:p>
         </p:txBody>
@@ -11359,7 +11424,7 @@
         </p:nvSpPr>
         <p:spPr>
           <a:xfrm>
-            <a:off x="389459" y="485219"/>
+            <a:off x="387201" y="502379"/>
             <a:ext cx="2895375" cy="1637223"/>
           </a:xfrm>
           <a:prstGeom prst="rect">
